--- a/Class-Presentation/MISP_Presentation .pptx
+++ b/Class-Presentation/MISP_Presentation .pptx
@@ -5,7 +5,7 @@
     <p:sldMasterId id="2147483672" r:id="rId1"/>
   </p:sldMasterIdLst>
   <p:notesMasterIdLst>
-    <p:notesMasterId r:id="rId10"/>
+    <p:notesMasterId r:id="rId14"/>
   </p:notesMasterIdLst>
   <p:sldIdLst>
     <p:sldId id="256" r:id="rId2"/>
@@ -16,6 +16,10 @@
     <p:sldId id="259" r:id="rId7"/>
     <p:sldId id="260" r:id="rId8"/>
     <p:sldId id="261" r:id="rId9"/>
+    <p:sldId id="265" r:id="rId10"/>
+    <p:sldId id="266" r:id="rId11"/>
+    <p:sldId id="267" r:id="rId12"/>
+    <p:sldId id="268" r:id="rId13"/>
   </p:sldIdLst>
   <p:sldSz cx="9144000" cy="6858000" type="screen4x3"/>
   <p:notesSz cx="6858000" cy="9144000"/>
@@ -133,6 +137,10 @@
 </p:presentation>
 </file>
 
+<file path=ppt/revisionInfo.xml><?xml version="1.0" encoding="utf-8"?>
+<p1510:revInfo xmlns:a="http://schemas.openxmlformats.org/drawingml/2006/main" xmlns:r="http://schemas.openxmlformats.org/officeDocument/2006/relationships" xmlns:p1510="http://schemas.microsoft.com/office/powerpoint/2015/10/main"/>
+</file>
+
 <file path=ppt/notesMasters/notesMaster1.xml><?xml version="1.0" encoding="utf-8"?>
 <p:notesMaster xmlns:a="http://schemas.openxmlformats.org/drawingml/2006/main" xmlns:r="http://schemas.openxmlformats.org/officeDocument/2006/relationships" xmlns:p="http://schemas.openxmlformats.org/presentationml/2006/main">
   <p:cSld>
@@ -215,7 +223,7 @@
           <a:p>
             <a:fld id="{968C2A23-066B-45FB-A8F1-071D7084F09F}" type="datetimeFigureOut">
               <a:rPr lang="en-US" smtClean="0"/>
-              <a:t>11/29/17</a:t>
+              <a:t>12/4/2017</a:t>
             </a:fld>
             <a:endParaRPr lang="en-US"/>
           </a:p>
@@ -279,38 +287,37 @@
           <a:p>
             <a:pPr lvl="0"/>
             <a:r>
-              <a:rPr lang="en-US" smtClean="0"/>
+              <a:rPr lang="en-US"/>
               <a:t>Click to edit Master text styles</a:t>
             </a:r>
           </a:p>
           <a:p>
             <a:pPr lvl="1"/>
             <a:r>
-              <a:rPr lang="en-US" smtClean="0"/>
+              <a:rPr lang="en-US"/>
               <a:t>Second level</a:t>
             </a:r>
           </a:p>
           <a:p>
             <a:pPr lvl="2"/>
             <a:r>
-              <a:rPr lang="en-US" smtClean="0"/>
+              <a:rPr lang="en-US"/>
               <a:t>Third level</a:t>
             </a:r>
           </a:p>
           <a:p>
             <a:pPr lvl="3"/>
             <a:r>
-              <a:rPr lang="en-US" smtClean="0"/>
+              <a:rPr lang="en-US"/>
               <a:t>Fourth level</a:t>
             </a:r>
           </a:p>
           <a:p>
             <a:pPr lvl="4"/>
             <a:r>
-              <a:rPr lang="en-US" smtClean="0"/>
+              <a:rPr lang="en-US"/>
               <a:t>Fifth level</a:t>
             </a:r>
-            <a:endParaRPr lang="en-US"/>
           </a:p>
         </p:txBody>
       </p:sp>
@@ -521,10 +528,9 @@
           <a:lstStyle/>
           <a:p>
             <a:r>
-              <a:rPr lang="en-US" smtClean="0"/>
+              <a:rPr lang="en-US"/>
               <a:t>Click to edit Master title style</a:t>
             </a:r>
-            <a:endParaRPr lang="en-US"/>
           </a:p>
         </p:txBody>
       </p:sp>
@@ -640,10 +646,9 @@
           </a:lstStyle>
           <a:p>
             <a:r>
-              <a:rPr lang="en-US" smtClean="0"/>
+              <a:rPr lang="en-US"/>
               <a:t>Click to edit Master subtitle style</a:t>
             </a:r>
-            <a:endParaRPr lang="en-US"/>
           </a:p>
         </p:txBody>
       </p:sp>
@@ -664,7 +669,7 @@
           <a:p>
             <a:fld id="{60F39A7A-DA67-5047-AA03-875FBC80260B}" type="datetimeFigureOut">
               <a:rPr lang="en-US" smtClean="0"/>
-              <a:t>11/29/17</a:t>
+              <a:t>12/4/2017</a:t>
             </a:fld>
             <a:endParaRPr lang="en-US"/>
           </a:p>
@@ -754,10 +759,9 @@
           <a:lstStyle/>
           <a:p>
             <a:r>
-              <a:rPr lang="en-US" smtClean="0"/>
+              <a:rPr lang="en-US"/>
               <a:t>Click to edit Master title style</a:t>
             </a:r>
-            <a:endParaRPr lang="en-US"/>
           </a:p>
         </p:txBody>
       </p:sp>
@@ -778,38 +782,37 @@
           <a:p>
             <a:pPr lvl="0"/>
             <a:r>
-              <a:rPr lang="en-US" smtClean="0"/>
+              <a:rPr lang="en-US"/>
               <a:t>Click to edit Master text styles</a:t>
             </a:r>
           </a:p>
           <a:p>
             <a:pPr lvl="1"/>
             <a:r>
-              <a:rPr lang="en-US" smtClean="0"/>
+              <a:rPr lang="en-US"/>
               <a:t>Second level</a:t>
             </a:r>
           </a:p>
           <a:p>
             <a:pPr lvl="2"/>
             <a:r>
-              <a:rPr lang="en-US" smtClean="0"/>
+              <a:rPr lang="en-US"/>
               <a:t>Third level</a:t>
             </a:r>
           </a:p>
           <a:p>
             <a:pPr lvl="3"/>
             <a:r>
-              <a:rPr lang="en-US" smtClean="0"/>
+              <a:rPr lang="en-US"/>
               <a:t>Fourth level</a:t>
             </a:r>
           </a:p>
           <a:p>
             <a:pPr lvl="4"/>
             <a:r>
-              <a:rPr lang="en-US" smtClean="0"/>
+              <a:rPr lang="en-US"/>
               <a:t>Fifth level</a:t>
             </a:r>
-            <a:endParaRPr lang="en-US"/>
           </a:p>
         </p:txBody>
       </p:sp>
@@ -830,7 +833,7 @@
           <a:p>
             <a:fld id="{60F39A7A-DA67-5047-AA03-875FBC80260B}" type="datetimeFigureOut">
               <a:rPr lang="en-US" smtClean="0"/>
-              <a:t>11/29/17</a:t>
+              <a:t>12/4/2017</a:t>
             </a:fld>
             <a:endParaRPr lang="en-US"/>
           </a:p>
@@ -925,10 +928,9 @@
           <a:lstStyle/>
           <a:p>
             <a:r>
-              <a:rPr lang="en-US" smtClean="0"/>
+              <a:rPr lang="en-US"/>
               <a:t>Click to edit Master title style</a:t>
             </a:r>
-            <a:endParaRPr lang="en-US"/>
           </a:p>
         </p:txBody>
       </p:sp>
@@ -954,38 +956,37 @@
           <a:p>
             <a:pPr lvl="0"/>
             <a:r>
-              <a:rPr lang="en-US" smtClean="0"/>
+              <a:rPr lang="en-US"/>
               <a:t>Click to edit Master text styles</a:t>
             </a:r>
           </a:p>
           <a:p>
             <a:pPr lvl="1"/>
             <a:r>
-              <a:rPr lang="en-US" smtClean="0"/>
+              <a:rPr lang="en-US"/>
               <a:t>Second level</a:t>
             </a:r>
           </a:p>
           <a:p>
             <a:pPr lvl="2"/>
             <a:r>
-              <a:rPr lang="en-US" smtClean="0"/>
+              <a:rPr lang="en-US"/>
               <a:t>Third level</a:t>
             </a:r>
           </a:p>
           <a:p>
             <a:pPr lvl="3"/>
             <a:r>
-              <a:rPr lang="en-US" smtClean="0"/>
+              <a:rPr lang="en-US"/>
               <a:t>Fourth level</a:t>
             </a:r>
           </a:p>
           <a:p>
             <a:pPr lvl="4"/>
             <a:r>
-              <a:rPr lang="en-US" smtClean="0"/>
+              <a:rPr lang="en-US"/>
               <a:t>Fifth level</a:t>
             </a:r>
-            <a:endParaRPr lang="en-US"/>
           </a:p>
         </p:txBody>
       </p:sp>
@@ -1006,7 +1007,7 @@
           <a:p>
             <a:fld id="{60F39A7A-DA67-5047-AA03-875FBC80260B}" type="datetimeFigureOut">
               <a:rPr lang="en-US" smtClean="0"/>
-              <a:t>11/29/17</a:t>
+              <a:t>12/4/2017</a:t>
             </a:fld>
             <a:endParaRPr lang="en-US"/>
           </a:p>
@@ -1096,10 +1097,9 @@
           <a:lstStyle/>
           <a:p>
             <a:r>
-              <a:rPr lang="en-US" smtClean="0"/>
+              <a:rPr lang="en-US"/>
               <a:t>Click to edit Master title style</a:t>
             </a:r>
-            <a:endParaRPr lang="en-US"/>
           </a:p>
         </p:txBody>
       </p:sp>
@@ -1120,38 +1120,37 @@
           <a:p>
             <a:pPr lvl="0"/>
             <a:r>
-              <a:rPr lang="en-US" smtClean="0"/>
+              <a:rPr lang="en-US"/>
               <a:t>Click to edit Master text styles</a:t>
             </a:r>
           </a:p>
           <a:p>
             <a:pPr lvl="1"/>
             <a:r>
-              <a:rPr lang="en-US" smtClean="0"/>
+              <a:rPr lang="en-US"/>
               <a:t>Second level</a:t>
             </a:r>
           </a:p>
           <a:p>
             <a:pPr lvl="2"/>
             <a:r>
-              <a:rPr lang="en-US" smtClean="0"/>
+              <a:rPr lang="en-US"/>
               <a:t>Third level</a:t>
             </a:r>
           </a:p>
           <a:p>
             <a:pPr lvl="3"/>
             <a:r>
-              <a:rPr lang="en-US" smtClean="0"/>
+              <a:rPr lang="en-US"/>
               <a:t>Fourth level</a:t>
             </a:r>
           </a:p>
           <a:p>
             <a:pPr lvl="4"/>
             <a:r>
-              <a:rPr lang="en-US" smtClean="0"/>
+              <a:rPr lang="en-US"/>
               <a:t>Fifth level</a:t>
             </a:r>
-            <a:endParaRPr lang="en-US"/>
           </a:p>
         </p:txBody>
       </p:sp>
@@ -1172,7 +1171,7 @@
           <a:p>
             <a:fld id="{60F39A7A-DA67-5047-AA03-875FBC80260B}" type="datetimeFigureOut">
               <a:rPr lang="en-US" smtClean="0"/>
-              <a:t>11/29/17</a:t>
+              <a:t>12/4/2017</a:t>
             </a:fld>
             <a:endParaRPr lang="en-US"/>
           </a:p>
@@ -1271,7 +1270,7 @@
           </a:lstStyle>
           <a:p>
             <a:r>
-              <a:rPr lang="en-US" smtClean="0"/>
+              <a:rPr lang="en-US"/>
               <a:t>Click to edit Master title style</a:t>
             </a:r>
             <a:endParaRPr lang="en-US" dirty="0"/>
@@ -1391,7 +1390,7 @@
           <a:p>
             <a:pPr lvl="0"/>
             <a:r>
-              <a:rPr lang="en-US" smtClean="0"/>
+              <a:rPr lang="en-US"/>
               <a:t>Click to edit Master text styles</a:t>
             </a:r>
           </a:p>
@@ -1414,7 +1413,7 @@
           <a:p>
             <a:fld id="{60F39A7A-DA67-5047-AA03-875FBC80260B}" type="datetimeFigureOut">
               <a:rPr lang="en-US" smtClean="0"/>
-              <a:t>11/29/17</a:t>
+              <a:t>12/4/2017</a:t>
             </a:fld>
             <a:endParaRPr lang="en-US"/>
           </a:p>
@@ -1504,10 +1503,9 @@
           <a:lstStyle/>
           <a:p>
             <a:r>
-              <a:rPr lang="en-US" smtClean="0"/>
+              <a:rPr lang="en-US"/>
               <a:t>Click to edit Master title style</a:t>
             </a:r>
-            <a:endParaRPr lang="en-US"/>
           </a:p>
         </p:txBody>
       </p:sp>
@@ -1561,38 +1559,37 @@
           <a:p>
             <a:pPr lvl="0"/>
             <a:r>
-              <a:rPr lang="en-US" smtClean="0"/>
+              <a:rPr lang="en-US"/>
               <a:t>Click to edit Master text styles</a:t>
             </a:r>
           </a:p>
           <a:p>
             <a:pPr lvl="1"/>
             <a:r>
-              <a:rPr lang="en-US" smtClean="0"/>
+              <a:rPr lang="en-US"/>
               <a:t>Second level</a:t>
             </a:r>
           </a:p>
           <a:p>
             <a:pPr lvl="2"/>
             <a:r>
-              <a:rPr lang="en-US" smtClean="0"/>
+              <a:rPr lang="en-US"/>
               <a:t>Third level</a:t>
             </a:r>
           </a:p>
           <a:p>
             <a:pPr lvl="3"/>
             <a:r>
-              <a:rPr lang="en-US" smtClean="0"/>
+              <a:rPr lang="en-US"/>
               <a:t>Fourth level</a:t>
             </a:r>
           </a:p>
           <a:p>
             <a:pPr lvl="4"/>
             <a:r>
-              <a:rPr lang="en-US" smtClean="0"/>
+              <a:rPr lang="en-US"/>
               <a:t>Fifth level</a:t>
             </a:r>
-            <a:endParaRPr lang="en-US"/>
           </a:p>
         </p:txBody>
       </p:sp>
@@ -1646,38 +1643,37 @@
           <a:p>
             <a:pPr lvl="0"/>
             <a:r>
-              <a:rPr lang="en-US" smtClean="0"/>
+              <a:rPr lang="en-US"/>
               <a:t>Click to edit Master text styles</a:t>
             </a:r>
           </a:p>
           <a:p>
             <a:pPr lvl="1"/>
             <a:r>
-              <a:rPr lang="en-US" smtClean="0"/>
+              <a:rPr lang="en-US"/>
               <a:t>Second level</a:t>
             </a:r>
           </a:p>
           <a:p>
             <a:pPr lvl="2"/>
             <a:r>
-              <a:rPr lang="en-US" smtClean="0"/>
+              <a:rPr lang="en-US"/>
               <a:t>Third level</a:t>
             </a:r>
           </a:p>
           <a:p>
             <a:pPr lvl="3"/>
             <a:r>
-              <a:rPr lang="en-US" smtClean="0"/>
+              <a:rPr lang="en-US"/>
               <a:t>Fourth level</a:t>
             </a:r>
           </a:p>
           <a:p>
             <a:pPr lvl="4"/>
             <a:r>
-              <a:rPr lang="en-US" smtClean="0"/>
+              <a:rPr lang="en-US"/>
               <a:t>Fifth level</a:t>
             </a:r>
-            <a:endParaRPr lang="en-US"/>
           </a:p>
         </p:txBody>
       </p:sp>
@@ -1698,7 +1694,7 @@
           <a:p>
             <a:fld id="{60F39A7A-DA67-5047-AA03-875FBC80260B}" type="datetimeFigureOut">
               <a:rPr lang="en-US" smtClean="0"/>
-              <a:t>11/29/17</a:t>
+              <a:t>12/4/2017</a:t>
             </a:fld>
             <a:endParaRPr lang="en-US"/>
           </a:p>
@@ -1792,10 +1788,9 @@
           </a:lstStyle>
           <a:p>
             <a:r>
-              <a:rPr lang="en-US" smtClean="0"/>
+              <a:rPr lang="en-US"/>
               <a:t>Click to edit Master title style</a:t>
             </a:r>
-            <a:endParaRPr lang="en-US"/>
           </a:p>
         </p:txBody>
       </p:sp>
@@ -1858,7 +1853,7 @@
           <a:p>
             <a:pPr lvl="0"/>
             <a:r>
-              <a:rPr lang="en-US" smtClean="0"/>
+              <a:rPr lang="en-US"/>
               <a:t>Click to edit Master text styles</a:t>
             </a:r>
           </a:p>
@@ -1914,38 +1909,37 @@
           <a:p>
             <a:pPr lvl="0"/>
             <a:r>
-              <a:rPr lang="en-US" smtClean="0"/>
+              <a:rPr lang="en-US"/>
               <a:t>Click to edit Master text styles</a:t>
             </a:r>
           </a:p>
           <a:p>
             <a:pPr lvl="1"/>
             <a:r>
-              <a:rPr lang="en-US" smtClean="0"/>
+              <a:rPr lang="en-US"/>
               <a:t>Second level</a:t>
             </a:r>
           </a:p>
           <a:p>
             <a:pPr lvl="2"/>
             <a:r>
-              <a:rPr lang="en-US" smtClean="0"/>
+              <a:rPr lang="en-US"/>
               <a:t>Third level</a:t>
             </a:r>
           </a:p>
           <a:p>
             <a:pPr lvl="3"/>
             <a:r>
-              <a:rPr lang="en-US" smtClean="0"/>
+              <a:rPr lang="en-US"/>
               <a:t>Fourth level</a:t>
             </a:r>
           </a:p>
           <a:p>
             <a:pPr lvl="4"/>
             <a:r>
-              <a:rPr lang="en-US" smtClean="0"/>
+              <a:rPr lang="en-US"/>
               <a:t>Fifth level</a:t>
             </a:r>
-            <a:endParaRPr lang="en-US"/>
           </a:p>
         </p:txBody>
       </p:sp>
@@ -2008,7 +2002,7 @@
           <a:p>
             <a:pPr lvl="0"/>
             <a:r>
-              <a:rPr lang="en-US" smtClean="0"/>
+              <a:rPr lang="en-US"/>
               <a:t>Click to edit Master text styles</a:t>
             </a:r>
           </a:p>
@@ -2064,38 +2058,37 @@
           <a:p>
             <a:pPr lvl="0"/>
             <a:r>
-              <a:rPr lang="en-US" smtClean="0"/>
+              <a:rPr lang="en-US"/>
               <a:t>Click to edit Master text styles</a:t>
             </a:r>
           </a:p>
           <a:p>
             <a:pPr lvl="1"/>
             <a:r>
-              <a:rPr lang="en-US" smtClean="0"/>
+              <a:rPr lang="en-US"/>
               <a:t>Second level</a:t>
             </a:r>
           </a:p>
           <a:p>
             <a:pPr lvl="2"/>
             <a:r>
-              <a:rPr lang="en-US" smtClean="0"/>
+              <a:rPr lang="en-US"/>
               <a:t>Third level</a:t>
             </a:r>
           </a:p>
           <a:p>
             <a:pPr lvl="3"/>
             <a:r>
-              <a:rPr lang="en-US" smtClean="0"/>
+              <a:rPr lang="en-US"/>
               <a:t>Fourth level</a:t>
             </a:r>
           </a:p>
           <a:p>
             <a:pPr lvl="4"/>
             <a:r>
-              <a:rPr lang="en-US" smtClean="0"/>
+              <a:rPr lang="en-US"/>
               <a:t>Fifth level</a:t>
             </a:r>
-            <a:endParaRPr lang="en-US"/>
           </a:p>
         </p:txBody>
       </p:sp>
@@ -2116,7 +2109,7 @@
           <a:p>
             <a:fld id="{60F39A7A-DA67-5047-AA03-875FBC80260B}" type="datetimeFigureOut">
               <a:rPr lang="en-US" smtClean="0"/>
-              <a:t>11/29/17</a:t>
+              <a:t>12/4/2017</a:t>
             </a:fld>
             <a:endParaRPr lang="en-US"/>
           </a:p>
@@ -2206,10 +2199,9 @@
           <a:lstStyle/>
           <a:p>
             <a:r>
-              <a:rPr lang="en-US" smtClean="0"/>
+              <a:rPr lang="en-US"/>
               <a:t>Click to edit Master title style</a:t>
             </a:r>
-            <a:endParaRPr lang="en-US"/>
           </a:p>
         </p:txBody>
       </p:sp>
@@ -2230,7 +2222,7 @@
           <a:p>
             <a:fld id="{60F39A7A-DA67-5047-AA03-875FBC80260B}" type="datetimeFigureOut">
               <a:rPr lang="en-US" smtClean="0"/>
-              <a:t>11/29/17</a:t>
+              <a:t>12/4/2017</a:t>
             </a:fld>
             <a:endParaRPr lang="en-US"/>
           </a:p>
@@ -2321,7 +2313,7 @@
           <a:p>
             <a:fld id="{60F39A7A-DA67-5047-AA03-875FBC80260B}" type="datetimeFigureOut">
               <a:rPr lang="en-US" smtClean="0"/>
-              <a:t>11/29/17</a:t>
+              <a:t>12/4/2017</a:t>
             </a:fld>
             <a:endParaRPr lang="en-US"/>
           </a:p>
@@ -2420,10 +2412,9 @@
           </a:lstStyle>
           <a:p>
             <a:r>
-              <a:rPr lang="en-US" smtClean="0"/>
+              <a:rPr lang="en-US"/>
               <a:t>Click to edit Master title style</a:t>
             </a:r>
-            <a:endParaRPr lang="en-US"/>
           </a:p>
         </p:txBody>
       </p:sp>
@@ -2477,38 +2468,37 @@
           <a:p>
             <a:pPr lvl="0"/>
             <a:r>
-              <a:rPr lang="en-US" smtClean="0"/>
+              <a:rPr lang="en-US"/>
               <a:t>Click to edit Master text styles</a:t>
             </a:r>
           </a:p>
           <a:p>
             <a:pPr lvl="1"/>
             <a:r>
-              <a:rPr lang="en-US" smtClean="0"/>
+              <a:rPr lang="en-US"/>
               <a:t>Second level</a:t>
             </a:r>
           </a:p>
           <a:p>
             <a:pPr lvl="2"/>
             <a:r>
-              <a:rPr lang="en-US" smtClean="0"/>
+              <a:rPr lang="en-US"/>
               <a:t>Third level</a:t>
             </a:r>
           </a:p>
           <a:p>
             <a:pPr lvl="3"/>
             <a:r>
-              <a:rPr lang="en-US" smtClean="0"/>
+              <a:rPr lang="en-US"/>
               <a:t>Fourth level</a:t>
             </a:r>
           </a:p>
           <a:p>
             <a:pPr lvl="4"/>
             <a:r>
-              <a:rPr lang="en-US" smtClean="0"/>
+              <a:rPr lang="en-US"/>
               <a:t>Fifth level</a:t>
             </a:r>
-            <a:endParaRPr lang="en-US"/>
           </a:p>
         </p:txBody>
       </p:sp>
@@ -2571,7 +2561,7 @@
           <a:p>
             <a:pPr lvl="0"/>
             <a:r>
-              <a:rPr lang="en-US" smtClean="0"/>
+              <a:rPr lang="en-US"/>
               <a:t>Click to edit Master text styles</a:t>
             </a:r>
           </a:p>
@@ -2594,7 +2584,7 @@
           <a:p>
             <a:fld id="{60F39A7A-DA67-5047-AA03-875FBC80260B}" type="datetimeFigureOut">
               <a:rPr lang="en-US" smtClean="0"/>
-              <a:t>11/29/17</a:t>
+              <a:t>12/4/2017</a:t>
             </a:fld>
             <a:endParaRPr lang="en-US"/>
           </a:p>
@@ -2693,10 +2683,9 @@
           </a:lstStyle>
           <a:p>
             <a:r>
-              <a:rPr lang="en-US" smtClean="0"/>
+              <a:rPr lang="en-US"/>
               <a:t>Click to edit Master title style</a:t>
             </a:r>
-            <a:endParaRPr lang="en-US"/>
           </a:p>
         </p:txBody>
       </p:sp>
@@ -2758,10 +2747,9 @@
           </a:lstStyle>
           <a:p>
             <a:r>
-              <a:rPr lang="en-US" smtClean="0"/>
+              <a:rPr lang="en-US"/>
               <a:t>Drag picture to placeholder or click icon to add</a:t>
             </a:r>
-            <a:endParaRPr lang="en-US"/>
           </a:p>
         </p:txBody>
       </p:sp>
@@ -2824,7 +2812,7 @@
           <a:p>
             <a:pPr lvl="0"/>
             <a:r>
-              <a:rPr lang="en-US" smtClean="0"/>
+              <a:rPr lang="en-US"/>
               <a:t>Click to edit Master text styles</a:t>
             </a:r>
           </a:p>
@@ -2847,7 +2835,7 @@
           <a:p>
             <a:fld id="{60F39A7A-DA67-5047-AA03-875FBC80260B}" type="datetimeFigureOut">
               <a:rPr lang="en-US" smtClean="0"/>
-              <a:t>11/29/17</a:t>
+              <a:t>12/4/2017</a:t>
             </a:fld>
             <a:endParaRPr lang="en-US"/>
           </a:p>
@@ -2961,7 +2949,7 @@
           <a:lstStyle/>
           <a:p>
             <a:r>
-              <a:rPr lang="en-US" smtClean="0"/>
+              <a:rPr lang="en-US"/>
               <a:t>Click to edit Master title style</a:t>
             </a:r>
             <a:endParaRPr lang="en-US" dirty="0"/>
@@ -2995,35 +2983,35 @@
           <a:p>
             <a:pPr lvl="0"/>
             <a:r>
-              <a:rPr lang="en-US" smtClean="0"/>
+              <a:rPr lang="en-US"/>
               <a:t>Click to edit Master text styles</a:t>
             </a:r>
           </a:p>
           <a:p>
             <a:pPr lvl="1"/>
             <a:r>
-              <a:rPr lang="en-US" smtClean="0"/>
+              <a:rPr lang="en-US"/>
               <a:t>Second level</a:t>
             </a:r>
           </a:p>
           <a:p>
             <a:pPr lvl="2"/>
             <a:r>
-              <a:rPr lang="en-US" smtClean="0"/>
+              <a:rPr lang="en-US"/>
               <a:t>Third level</a:t>
             </a:r>
           </a:p>
           <a:p>
             <a:pPr lvl="3"/>
             <a:r>
-              <a:rPr lang="en-US" smtClean="0"/>
+              <a:rPr lang="en-US"/>
               <a:t>Fourth level</a:t>
             </a:r>
           </a:p>
           <a:p>
             <a:pPr lvl="4"/>
             <a:r>
-              <a:rPr lang="en-US" smtClean="0"/>
+              <a:rPr lang="en-US"/>
               <a:t>Fifth level</a:t>
             </a:r>
             <a:endParaRPr lang="en-US" dirty="0"/>
@@ -3068,7 +3056,7 @@
             <a:fld id="{60F39A7A-DA67-5047-AA03-875FBC80260B}" type="datetimeFigureOut">
               <a:rPr lang="en-US" smtClean="0"/>
               <a:pPr/>
-              <a:t>11/29/17</a:t>
+              <a:t>12/4/2017</a:t>
             </a:fld>
             <a:endParaRPr lang="en-US"/>
           </a:p>
@@ -3466,7 +3454,7 @@
           <a:lstStyle/>
           <a:p>
             <a:r>
-              <a:rPr lang="en-US" sz="4000" dirty="0" smtClean="0"/>
+              <a:rPr lang="en-US" sz="4000" dirty="0"/>
               <a:t>MISP-Malware Information Sharing Project</a:t>
             </a:r>
             <a:endParaRPr lang="en-US" sz="4000" dirty="0">
@@ -3492,22 +3480,15 @@
           <a:lstStyle/>
           <a:p>
             <a:r>
-              <a:rPr lang="en-US" dirty="0" smtClean="0">
+              <a:rPr lang="en-US" dirty="0">
                 <a:solidFill>
                   <a:schemeClr val="tx1"/>
                 </a:solidFill>
                 <a:latin typeface="Helvetica"/>
                 <a:cs typeface="Helvetica"/>
               </a:rPr>
-              <a:t>Sarah Noles, Brian Mellon, Greg Hoff, and Carl Deike</a:t>
-            </a:r>
-            <a:endParaRPr lang="en-US" dirty="0">
-              <a:solidFill>
-                <a:schemeClr val="tx1"/>
-              </a:solidFill>
-              <a:latin typeface="Helvetica"/>
-              <a:cs typeface="Helvetica"/>
-            </a:endParaRPr>
+              <a:t>Sarah Noles, Brian Mellon, Greg Hoff, and Carl Deicke</a:t>
+            </a:r>
           </a:p>
         </p:txBody>
       </p:sp>
@@ -3521,13 +3502,843 @@
   <p:clrMapOvr>
     <a:masterClrMapping/>
   </p:clrMapOvr>
-  <p:timing>
-    <p:tnLst>
-      <p:par>
-        <p:cTn id="1" dur="indefinite" restart="never" nodeType="tmRoot"/>
-      </p:par>
-    </p:tnLst>
-  </p:timing>
+</p:sld>
+</file>
+
+<file path=ppt/slides/slide10.xml><?xml version="1.0" encoding="utf-8"?>
+<p:sld xmlns:a="http://schemas.openxmlformats.org/drawingml/2006/main" xmlns:r="http://schemas.openxmlformats.org/officeDocument/2006/relationships" xmlns:p="http://schemas.openxmlformats.org/presentationml/2006/main">
+  <p:cSld>
+    <p:spTree>
+      <p:nvGrpSpPr>
+        <p:cNvPr id="1" name=""/>
+        <p:cNvGrpSpPr/>
+        <p:nvPr/>
+      </p:nvGrpSpPr>
+      <p:grpSpPr>
+        <a:xfrm>
+          <a:off x="0" y="0"/>
+          <a:ext cx="0" cy="0"/>
+          <a:chOff x="0" y="0"/>
+          <a:chExt cx="0" cy="0"/>
+        </a:xfrm>
+      </p:grpSpPr>
+      <p:sp>
+        <p:nvSpPr>
+          <p:cNvPr id="2" name="Title 1">
+            <a:extLst>
+              <a:ext uri="{FF2B5EF4-FFF2-40B4-BE49-F238E27FC236}">
+                <a16:creationId xmlns:a16="http://schemas.microsoft.com/office/drawing/2014/main" id="{FEF529CC-35A6-41C4-AD73-5C36B362E8CD}"/>
+              </a:ext>
+            </a:extLst>
+          </p:cNvPr>
+          <p:cNvSpPr>
+            <a:spLocks noGrp="1"/>
+          </p:cNvSpPr>
+          <p:nvPr>
+            <p:ph type="title"/>
+          </p:nvPr>
+        </p:nvSpPr>
+        <p:spPr/>
+        <p:txBody>
+          <a:bodyPr>
+            <a:normAutofit/>
+          </a:bodyPr>
+          <a:lstStyle/>
+          <a:p>
+            <a:r>
+              <a:rPr lang="en-US" dirty="0"/>
+              <a:t>Automated Scan Findings</a:t>
+            </a:r>
+          </a:p>
+        </p:txBody>
+      </p:sp>
+      <p:sp>
+        <p:nvSpPr>
+          <p:cNvPr id="3" name="Content Placeholder 2">
+            <a:extLst>
+              <a:ext uri="{FF2B5EF4-FFF2-40B4-BE49-F238E27FC236}">
+                <a16:creationId xmlns:a16="http://schemas.microsoft.com/office/drawing/2014/main" id="{70A295A3-D420-49CB-8757-24C6BBEB3BE6}"/>
+              </a:ext>
+            </a:extLst>
+          </p:cNvPr>
+          <p:cNvSpPr>
+            <a:spLocks noGrp="1"/>
+          </p:cNvSpPr>
+          <p:nvPr>
+            <p:ph idx="1"/>
+          </p:nvPr>
+        </p:nvSpPr>
+        <p:spPr/>
+        <p:txBody>
+          <a:bodyPr>
+            <a:normAutofit/>
+          </a:bodyPr>
+          <a:lstStyle/>
+          <a:p>
+            <a:r>
+              <a:rPr lang="en-US" dirty="0"/>
+              <a:t>Used two tools</a:t>
+            </a:r>
+          </a:p>
+          <a:p>
+            <a:r>
+              <a:rPr lang="en-US" dirty="0">
+                <a:hlinkClick r:id="rId2"/>
+              </a:rPr>
+              <a:t>RIPS</a:t>
+            </a:r>
+            <a:endParaRPr lang="en-US" dirty="0"/>
+          </a:p>
+          <a:p>
+            <a:pPr lvl="1"/>
+            <a:r>
+              <a:rPr lang="en-US" dirty="0"/>
+              <a:t>Found 296 issues</a:t>
+            </a:r>
+          </a:p>
+          <a:p>
+            <a:pPr lvl="2"/>
+            <a:r>
+              <a:rPr lang="en-US" dirty="0"/>
+              <a:t>File Disclosure (101)</a:t>
+            </a:r>
+          </a:p>
+          <a:p>
+            <a:pPr lvl="2"/>
+            <a:r>
+              <a:rPr lang="en-US" dirty="0"/>
+              <a:t>File Manipulation (40)</a:t>
+            </a:r>
+          </a:p>
+          <a:p>
+            <a:pPr lvl="2"/>
+            <a:r>
+              <a:rPr lang="en-US" dirty="0"/>
+              <a:t>Command Execution (34)</a:t>
+            </a:r>
+          </a:p>
+          <a:p>
+            <a:pPr lvl="2"/>
+            <a:r>
+              <a:rPr lang="en-US" dirty="0"/>
+              <a:t>Code Execution (29)</a:t>
+            </a:r>
+          </a:p>
+          <a:p>
+            <a:pPr lvl="2"/>
+            <a:r>
+              <a:rPr lang="en-US" dirty="0"/>
+              <a:t>Cross-Site Scripting (28)</a:t>
+            </a:r>
+          </a:p>
+          <a:p>
+            <a:pPr marL="0" indent="0">
+              <a:buNone/>
+            </a:pPr>
+            <a:endParaRPr lang="en-US" dirty="0"/>
+          </a:p>
+          <a:p>
+            <a:pPr lvl="1"/>
+            <a:endParaRPr lang="en-US" dirty="0"/>
+          </a:p>
+        </p:txBody>
+      </p:sp>
+    </p:spTree>
+    <p:extLst>
+      <p:ext uri="{BB962C8B-B14F-4D97-AF65-F5344CB8AC3E}">
+        <p14:creationId xmlns:p14="http://schemas.microsoft.com/office/powerpoint/2010/main" val="1068583622"/>
+      </p:ext>
+    </p:extLst>
+  </p:cSld>
+  <p:clrMapOvr>
+    <a:masterClrMapping/>
+  </p:clrMapOvr>
+</p:sld>
+</file>
+
+<file path=ppt/slides/slide11.xml><?xml version="1.0" encoding="utf-8"?>
+<p:sld xmlns:a="http://schemas.openxmlformats.org/drawingml/2006/main" xmlns:r="http://schemas.openxmlformats.org/officeDocument/2006/relationships" xmlns:p="http://schemas.openxmlformats.org/presentationml/2006/main">
+  <p:cSld>
+    <p:spTree>
+      <p:nvGrpSpPr>
+        <p:cNvPr id="1" name=""/>
+        <p:cNvGrpSpPr/>
+        <p:nvPr/>
+      </p:nvGrpSpPr>
+      <p:grpSpPr>
+        <a:xfrm>
+          <a:off x="0" y="0"/>
+          <a:ext cx="0" cy="0"/>
+          <a:chOff x="0" y="0"/>
+          <a:chExt cx="0" cy="0"/>
+        </a:xfrm>
+      </p:grpSpPr>
+      <p:sp>
+        <p:nvSpPr>
+          <p:cNvPr id="2" name="Title 1">
+            <a:extLst>
+              <a:ext uri="{FF2B5EF4-FFF2-40B4-BE49-F238E27FC236}">
+                <a16:creationId xmlns:a16="http://schemas.microsoft.com/office/drawing/2014/main" id="{1E404461-DADD-4EA1-8103-2AE42BD92D62}"/>
+              </a:ext>
+            </a:extLst>
+          </p:cNvPr>
+          <p:cNvSpPr>
+            <a:spLocks noGrp="1"/>
+          </p:cNvSpPr>
+          <p:nvPr>
+            <p:ph type="title"/>
+          </p:nvPr>
+        </p:nvSpPr>
+        <p:spPr/>
+        <p:txBody>
+          <a:bodyPr/>
+          <a:lstStyle/>
+          <a:p>
+            <a:r>
+              <a:rPr lang="en-US" dirty="0"/>
+              <a:t>Automated Scan Findings </a:t>
+            </a:r>
+          </a:p>
+        </p:txBody>
+      </p:sp>
+      <p:sp>
+        <p:nvSpPr>
+          <p:cNvPr id="3" name="Content Placeholder 2">
+            <a:extLst>
+              <a:ext uri="{FF2B5EF4-FFF2-40B4-BE49-F238E27FC236}">
+                <a16:creationId xmlns:a16="http://schemas.microsoft.com/office/drawing/2014/main" id="{B90F8C02-156C-4C51-960A-BF3A4D70FF11}"/>
+              </a:ext>
+            </a:extLst>
+          </p:cNvPr>
+          <p:cNvSpPr>
+            <a:spLocks noGrp="1"/>
+          </p:cNvSpPr>
+          <p:nvPr>
+            <p:ph idx="1"/>
+          </p:nvPr>
+        </p:nvSpPr>
+        <p:spPr/>
+        <p:txBody>
+          <a:bodyPr/>
+          <a:lstStyle/>
+          <a:p>
+            <a:r>
+              <a:rPr lang="en-US" dirty="0">
+                <a:hlinkClick r:id="rId2"/>
+              </a:rPr>
+              <a:t>SWAMP</a:t>
+            </a:r>
+            <a:endParaRPr lang="en-US" dirty="0"/>
+          </a:p>
+          <a:p>
+            <a:pPr lvl="1"/>
+            <a:r>
+              <a:rPr lang="en-US" dirty="0"/>
+              <a:t>Found 22,207 issues</a:t>
+            </a:r>
+          </a:p>
+          <a:p>
+            <a:pPr lvl="2"/>
+            <a:r>
+              <a:rPr lang="en-US" dirty="0"/>
+              <a:t>Most issues found were where the actual code deviated from generally accepted coding conventions</a:t>
+            </a:r>
+          </a:p>
+          <a:p>
+            <a:pPr lvl="2"/>
+            <a:r>
+              <a:rPr lang="en-US" dirty="0"/>
+              <a:t>Debate within the MISP GitHub forums about which coding convention to use</a:t>
+            </a:r>
+          </a:p>
+          <a:p>
+            <a:pPr lvl="2"/>
+            <a:r>
+              <a:rPr lang="en-US" dirty="0"/>
+              <a:t>not strictly a weakness or vulnerability</a:t>
+            </a:r>
+          </a:p>
+          <a:p>
+            <a:pPr lvl="1"/>
+            <a:r>
+              <a:rPr lang="en-US" dirty="0"/>
+              <a:t>Difficult for MISP to alleviate these coding issues as they rely on </a:t>
+            </a:r>
+            <a:r>
+              <a:rPr lang="en-US" dirty="0" err="1"/>
+              <a:t>CakePHP</a:t>
+            </a:r>
+            <a:r>
+              <a:rPr lang="en-US" dirty="0"/>
+              <a:t>, where the majority of these issues reside</a:t>
+            </a:r>
+          </a:p>
+        </p:txBody>
+      </p:sp>
+    </p:spTree>
+    <p:extLst>
+      <p:ext uri="{BB962C8B-B14F-4D97-AF65-F5344CB8AC3E}">
+        <p14:creationId xmlns:p14="http://schemas.microsoft.com/office/powerpoint/2010/main" val="1960715893"/>
+      </p:ext>
+    </p:extLst>
+  </p:cSld>
+  <p:clrMapOvr>
+    <a:masterClrMapping/>
+  </p:clrMapOvr>
+</p:sld>
+</file>
+
+<file path=ppt/slides/slide12.xml><?xml version="1.0" encoding="utf-8"?>
+<p:sld xmlns:a="http://schemas.openxmlformats.org/drawingml/2006/main" xmlns:r="http://schemas.openxmlformats.org/officeDocument/2006/relationships" xmlns:p="http://schemas.openxmlformats.org/presentationml/2006/main">
+  <p:cSld>
+    <p:spTree>
+      <p:nvGrpSpPr>
+        <p:cNvPr id="1" name=""/>
+        <p:cNvGrpSpPr/>
+        <p:nvPr/>
+      </p:nvGrpSpPr>
+      <p:grpSpPr>
+        <a:xfrm>
+          <a:off x="0" y="0"/>
+          <a:ext cx="0" cy="0"/>
+          <a:chOff x="0" y="0"/>
+          <a:chExt cx="0" cy="0"/>
+        </a:xfrm>
+      </p:grpSpPr>
+      <p:sp>
+        <p:nvSpPr>
+          <p:cNvPr id="2" name="Title 1">
+            <a:extLst>
+              <a:ext uri="{FF2B5EF4-FFF2-40B4-BE49-F238E27FC236}">
+                <a16:creationId xmlns:a16="http://schemas.microsoft.com/office/drawing/2014/main" id="{A7437F38-9083-427D-90F7-48FEF37211FD}"/>
+              </a:ext>
+            </a:extLst>
+          </p:cNvPr>
+          <p:cNvSpPr>
+            <a:spLocks noGrp="1"/>
+          </p:cNvSpPr>
+          <p:nvPr>
+            <p:ph type="title"/>
+          </p:nvPr>
+        </p:nvSpPr>
+        <p:spPr/>
+        <p:txBody>
+          <a:bodyPr/>
+          <a:lstStyle/>
+          <a:p>
+            <a:r>
+              <a:rPr lang="en-US" dirty="0"/>
+              <a:t>Automated Scan Findings</a:t>
+            </a:r>
+          </a:p>
+        </p:txBody>
+      </p:sp>
+      <p:sp>
+        <p:nvSpPr>
+          <p:cNvPr id="3" name="Content Placeholder 2">
+            <a:extLst>
+              <a:ext uri="{FF2B5EF4-FFF2-40B4-BE49-F238E27FC236}">
+                <a16:creationId xmlns:a16="http://schemas.microsoft.com/office/drawing/2014/main" id="{F379E149-5E08-4116-A12F-A7B5C7183899}"/>
+              </a:ext>
+            </a:extLst>
+          </p:cNvPr>
+          <p:cNvSpPr>
+            <a:spLocks noGrp="1"/>
+          </p:cNvSpPr>
+          <p:nvPr>
+            <p:ph idx="1"/>
+          </p:nvPr>
+        </p:nvSpPr>
+        <p:spPr/>
+        <p:txBody>
+          <a:bodyPr/>
+          <a:lstStyle/>
+          <a:p>
+            <a:r>
+              <a:rPr lang="en-US" dirty="0"/>
+              <a:t>SWAMP Report cont.</a:t>
+            </a:r>
+          </a:p>
+          <a:p>
+            <a:pPr lvl="1"/>
+            <a:r>
+              <a:rPr lang="en-US" dirty="0"/>
+              <a:t>Number of issues by code source:</a:t>
+            </a:r>
+          </a:p>
+          <a:p>
+            <a:pPr lvl="1"/>
+            <a:endParaRPr lang="en-US" dirty="0"/>
+          </a:p>
+        </p:txBody>
+      </p:sp>
+      <p:graphicFrame>
+        <p:nvGraphicFramePr>
+          <p:cNvPr id="6" name="Table 5">
+            <a:extLst>
+              <a:ext uri="{FF2B5EF4-FFF2-40B4-BE49-F238E27FC236}">
+                <a16:creationId xmlns:a16="http://schemas.microsoft.com/office/drawing/2014/main" id="{18720F27-1828-40DF-9750-2DC1CA4DD15B}"/>
+              </a:ext>
+            </a:extLst>
+          </p:cNvPr>
+          <p:cNvGraphicFramePr>
+            <a:graphicFrameLocks noGrp="1"/>
+          </p:cNvGraphicFramePr>
+          <p:nvPr>
+            <p:extLst>
+              <p:ext uri="{D42A27DB-BD31-4B8C-83A1-F6EECF244321}">
+                <p14:modId xmlns:p14="http://schemas.microsoft.com/office/powerpoint/2010/main" val="2256827840"/>
+              </p:ext>
+            </p:extLst>
+          </p:nvPr>
+        </p:nvGraphicFramePr>
+        <p:xfrm>
+          <a:off x="1274618" y="3551381"/>
+          <a:ext cx="6096000" cy="1483360"/>
+        </p:xfrm>
+        <a:graphic>
+          <a:graphicData uri="http://schemas.openxmlformats.org/drawingml/2006/table">
+            <a:tbl>
+              <a:tblPr firstRow="1" bandRow="1">
+                <a:tableStyleId>{5C22544A-7EE6-4342-B048-85BDC9FD1C3A}</a:tableStyleId>
+              </a:tblPr>
+              <a:tblGrid>
+                <a:gridCol w="3048000">
+                  <a:extLst>
+                    <a:ext uri="{9D8B030D-6E8A-4147-A177-3AD203B41FA5}">
+                      <a16:colId xmlns:a16="http://schemas.microsoft.com/office/drawing/2014/main" val="157213832"/>
+                    </a:ext>
+                  </a:extLst>
+                </a:gridCol>
+                <a:gridCol w="3048000">
+                  <a:extLst>
+                    <a:ext uri="{9D8B030D-6E8A-4147-A177-3AD203B41FA5}">
+                      <a16:colId xmlns:a16="http://schemas.microsoft.com/office/drawing/2014/main" val="4139480091"/>
+                    </a:ext>
+                  </a:extLst>
+                </a:gridCol>
+              </a:tblGrid>
+              <a:tr h="370840">
+                <a:tc>
+                  <a:txBody>
+                    <a:bodyPr/>
+                    <a:lstStyle/>
+                    <a:p>
+                      <a:pPr marL="0" algn="l" defTabSz="457200" rtl="0" eaLnBrk="1" latinLnBrk="0" hangingPunct="1"/>
+                      <a:r>
+                        <a:rPr lang="en-US" sz="1800" b="0" kern="1200" dirty="0" err="1">
+                          <a:solidFill>
+                            <a:schemeClr val="tx1"/>
+                          </a:solidFill>
+                          <a:latin typeface="+mn-lt"/>
+                          <a:ea typeface="+mn-ea"/>
+                          <a:cs typeface="+mn-cs"/>
+                        </a:rPr>
+                        <a:t>CakePHP</a:t>
+                      </a:r>
+                      <a:endParaRPr lang="en-US" sz="1800" b="0" kern="1200" dirty="0">
+                        <a:solidFill>
+                          <a:schemeClr val="tx1"/>
+                        </a:solidFill>
+                        <a:latin typeface="+mn-lt"/>
+                        <a:ea typeface="+mn-ea"/>
+                        <a:cs typeface="+mn-cs"/>
+                      </a:endParaRPr>
+                    </a:p>
+                  </a:txBody>
+                  <a:tcPr>
+                    <a:lnL w="12700" cap="flat" cmpd="sng" algn="ctr">
+                      <a:solidFill>
+                        <a:schemeClr val="tx1"/>
+                      </a:solidFill>
+                      <a:prstDash val="solid"/>
+                      <a:round/>
+                      <a:headEnd type="none" w="med" len="med"/>
+                      <a:tailEnd type="none" w="med" len="med"/>
+                    </a:lnL>
+                    <a:lnR w="12700" cmpd="sng">
+                      <a:noFill/>
+                    </a:lnR>
+                    <a:lnT w="12700" cap="flat" cmpd="sng" algn="ctr">
+                      <a:solidFill>
+                        <a:schemeClr val="tx1"/>
+                      </a:solidFill>
+                      <a:prstDash val="solid"/>
+                      <a:round/>
+                      <a:headEnd type="none" w="med" len="med"/>
+                      <a:tailEnd type="none" w="med" len="med"/>
+                    </a:lnT>
+                    <a:lnB w="38100" cmpd="sng">
+                      <a:noFill/>
+                    </a:lnB>
+                    <a:lnTlToBr w="12700" cmpd="sng">
+                      <a:noFill/>
+                      <a:prstDash val="solid"/>
+                    </a:lnTlToBr>
+                    <a:lnBlToTr w="12700" cmpd="sng">
+                      <a:noFill/>
+                      <a:prstDash val="solid"/>
+                    </a:lnBlToTr>
+                    <a:solidFill>
+                      <a:srgbClr val="E9EDF4"/>
+                    </a:solidFill>
+                  </a:tcPr>
+                </a:tc>
+                <a:tc>
+                  <a:txBody>
+                    <a:bodyPr/>
+                    <a:lstStyle/>
+                    <a:p>
+                      <a:pPr marL="0" algn="l" defTabSz="457200" rtl="0" eaLnBrk="1" latinLnBrk="0" hangingPunct="1"/>
+                      <a:r>
+                        <a:rPr lang="en-US" sz="1800" b="0" kern="1200" dirty="0">
+                          <a:solidFill>
+                            <a:schemeClr val="tx1"/>
+                          </a:solidFill>
+                          <a:latin typeface="+mn-lt"/>
+                          <a:ea typeface="+mn-ea"/>
+                          <a:cs typeface="+mn-cs"/>
+                        </a:rPr>
+                        <a:t>17,568</a:t>
+                      </a:r>
+                    </a:p>
+                  </a:txBody>
+                  <a:tcPr>
+                    <a:lnL w="12700" cmpd="sng">
+                      <a:noFill/>
+                    </a:lnL>
+                    <a:lnR w="12700" cap="flat" cmpd="sng" algn="ctr">
+                      <a:solidFill>
+                        <a:schemeClr val="tx1"/>
+                      </a:solidFill>
+                      <a:prstDash val="solid"/>
+                      <a:round/>
+                      <a:headEnd type="none" w="med" len="med"/>
+                      <a:tailEnd type="none" w="med" len="med"/>
+                    </a:lnR>
+                    <a:lnT w="12700" cap="flat" cmpd="sng" algn="ctr">
+                      <a:solidFill>
+                        <a:schemeClr val="tx1"/>
+                      </a:solidFill>
+                      <a:prstDash val="solid"/>
+                      <a:round/>
+                      <a:headEnd type="none" w="med" len="med"/>
+                      <a:tailEnd type="none" w="med" len="med"/>
+                    </a:lnT>
+                    <a:lnB w="38100" cmpd="sng">
+                      <a:noFill/>
+                    </a:lnB>
+                    <a:lnTlToBr w="12700" cmpd="sng">
+                      <a:noFill/>
+                      <a:prstDash val="solid"/>
+                    </a:lnTlToBr>
+                    <a:lnBlToTr w="12700" cmpd="sng">
+                      <a:noFill/>
+                      <a:prstDash val="solid"/>
+                    </a:lnBlToTr>
+                    <a:solidFill>
+                      <a:srgbClr val="E9EDF4"/>
+                    </a:solidFill>
+                  </a:tcPr>
+                </a:tc>
+                <a:extLst>
+                  <a:ext uri="{0D108BD9-81ED-4DB2-BD59-A6C34878D82A}">
+                    <a16:rowId xmlns:a16="http://schemas.microsoft.com/office/drawing/2014/main" val="4207423796"/>
+                  </a:ext>
+                </a:extLst>
+              </a:tr>
+              <a:tr h="370840">
+                <a:tc>
+                  <a:txBody>
+                    <a:bodyPr/>
+                    <a:lstStyle/>
+                    <a:p>
+                      <a:r>
+                        <a:rPr lang="en-US" dirty="0"/>
+                        <a:t>PHP </a:t>
+                      </a:r>
+                      <a:r>
+                        <a:rPr lang="en-US" sz="1200" dirty="0"/>
+                        <a:t>(MISP written)</a:t>
+                      </a:r>
+                    </a:p>
+                  </a:txBody>
+                  <a:tcPr>
+                    <a:lnL w="12700" cap="flat" cmpd="sng" algn="ctr">
+                      <a:solidFill>
+                        <a:schemeClr val="tx1"/>
+                      </a:solidFill>
+                      <a:prstDash val="solid"/>
+                      <a:round/>
+                      <a:headEnd type="none" w="med" len="med"/>
+                      <a:tailEnd type="none" w="med" len="med"/>
+                    </a:lnL>
+                    <a:lnR w="12700" cmpd="sng">
+                      <a:noFill/>
+                    </a:lnR>
+                    <a:lnT w="38100" cmpd="sng">
+                      <a:noFill/>
+                    </a:lnT>
+                    <a:lnB w="12700" cmpd="sng">
+                      <a:noFill/>
+                    </a:lnB>
+                    <a:lnTlToBr w="12700" cmpd="sng">
+                      <a:noFill/>
+                      <a:prstDash val="solid"/>
+                    </a:lnTlToBr>
+                    <a:lnBlToTr w="12700" cmpd="sng">
+                      <a:noFill/>
+                      <a:prstDash val="solid"/>
+                    </a:lnBlToTr>
+                  </a:tcPr>
+                </a:tc>
+                <a:tc>
+                  <a:txBody>
+                    <a:bodyPr/>
+                    <a:lstStyle/>
+                    <a:p>
+                      <a:r>
+                        <a:rPr lang="en-US" dirty="0"/>
+                        <a:t>3,955</a:t>
+                      </a:r>
+                    </a:p>
+                  </a:txBody>
+                  <a:tcPr>
+                    <a:lnL w="12700" cmpd="sng">
+                      <a:noFill/>
+                    </a:lnL>
+                    <a:lnR w="12700" cap="flat" cmpd="sng" algn="ctr">
+                      <a:solidFill>
+                        <a:schemeClr val="tx1"/>
+                      </a:solidFill>
+                      <a:prstDash val="solid"/>
+                      <a:round/>
+                      <a:headEnd type="none" w="med" len="med"/>
+                      <a:tailEnd type="none" w="med" len="med"/>
+                    </a:lnR>
+                    <a:lnT w="38100" cmpd="sng">
+                      <a:noFill/>
+                    </a:lnT>
+                    <a:lnB w="12700" cmpd="sng">
+                      <a:noFill/>
+                    </a:lnB>
+                    <a:lnTlToBr w="12700" cmpd="sng">
+                      <a:noFill/>
+                      <a:prstDash val="solid"/>
+                    </a:lnTlToBr>
+                    <a:lnBlToTr w="12700" cmpd="sng">
+                      <a:noFill/>
+                      <a:prstDash val="solid"/>
+                    </a:lnBlToTr>
+                  </a:tcPr>
+                </a:tc>
+                <a:extLst>
+                  <a:ext uri="{0D108BD9-81ED-4DB2-BD59-A6C34878D82A}">
+                    <a16:rowId xmlns:a16="http://schemas.microsoft.com/office/drawing/2014/main" val="4142928770"/>
+                  </a:ext>
+                </a:extLst>
+              </a:tr>
+              <a:tr h="370840">
+                <a:tc>
+                  <a:txBody>
+                    <a:bodyPr/>
+                    <a:lstStyle/>
+                    <a:p>
+                      <a:r>
+                        <a:rPr lang="en-US" dirty="0"/>
+                        <a:t>CSS</a:t>
+                      </a:r>
+                    </a:p>
+                  </a:txBody>
+                  <a:tcPr>
+                    <a:lnL w="12700" cap="flat" cmpd="sng" algn="ctr">
+                      <a:solidFill>
+                        <a:schemeClr val="tx1"/>
+                      </a:solidFill>
+                      <a:prstDash val="solid"/>
+                      <a:round/>
+                      <a:headEnd type="none" w="med" len="med"/>
+                      <a:tailEnd type="none" w="med" len="med"/>
+                    </a:lnL>
+                    <a:lnR w="12700" cmpd="sng">
+                      <a:noFill/>
+                    </a:lnR>
+                    <a:lnT w="12700" cmpd="sng">
+                      <a:noFill/>
+                    </a:lnT>
+                    <a:lnB w="12700" cmpd="sng">
+                      <a:noFill/>
+                    </a:lnB>
+                    <a:lnTlToBr w="12700" cmpd="sng">
+                      <a:noFill/>
+                      <a:prstDash val="solid"/>
+                    </a:lnTlToBr>
+                    <a:lnBlToTr w="12700" cmpd="sng">
+                      <a:noFill/>
+                      <a:prstDash val="solid"/>
+                    </a:lnBlToTr>
+                  </a:tcPr>
+                </a:tc>
+                <a:tc>
+                  <a:txBody>
+                    <a:bodyPr/>
+                    <a:lstStyle/>
+                    <a:p>
+                      <a:r>
+                        <a:rPr lang="en-US" dirty="0"/>
+                        <a:t>560</a:t>
+                      </a:r>
+                    </a:p>
+                  </a:txBody>
+                  <a:tcPr>
+                    <a:lnL w="12700" cmpd="sng">
+                      <a:noFill/>
+                    </a:lnL>
+                    <a:lnR w="12700" cap="flat" cmpd="sng" algn="ctr">
+                      <a:solidFill>
+                        <a:schemeClr val="tx1"/>
+                      </a:solidFill>
+                      <a:prstDash val="solid"/>
+                      <a:round/>
+                      <a:headEnd type="none" w="med" len="med"/>
+                      <a:tailEnd type="none" w="med" len="med"/>
+                    </a:lnR>
+                    <a:lnT w="12700" cmpd="sng">
+                      <a:noFill/>
+                    </a:lnT>
+                    <a:lnB w="12700" cmpd="sng">
+                      <a:noFill/>
+                    </a:lnB>
+                    <a:lnTlToBr w="12700" cmpd="sng">
+                      <a:noFill/>
+                      <a:prstDash val="solid"/>
+                    </a:lnTlToBr>
+                    <a:lnBlToTr w="12700" cmpd="sng">
+                      <a:noFill/>
+                      <a:prstDash val="solid"/>
+                    </a:lnBlToTr>
+                  </a:tcPr>
+                </a:tc>
+                <a:extLst>
+                  <a:ext uri="{0D108BD9-81ED-4DB2-BD59-A6C34878D82A}">
+                    <a16:rowId xmlns:a16="http://schemas.microsoft.com/office/drawing/2014/main" val="3493098857"/>
+                  </a:ext>
+                </a:extLst>
+              </a:tr>
+              <a:tr h="370840">
+                <a:tc>
+                  <a:txBody>
+                    <a:bodyPr/>
+                    <a:lstStyle/>
+                    <a:p>
+                      <a:r>
+                        <a:rPr lang="en-US" dirty="0" err="1"/>
+                        <a:t>Javascript</a:t>
+                      </a:r>
+                      <a:endParaRPr lang="en-US" dirty="0"/>
+                    </a:p>
+                  </a:txBody>
+                  <a:tcPr>
+                    <a:lnL w="12700" cap="flat" cmpd="sng" algn="ctr">
+                      <a:solidFill>
+                        <a:schemeClr val="tx1"/>
+                      </a:solidFill>
+                      <a:prstDash val="solid"/>
+                      <a:round/>
+                      <a:headEnd type="none" w="med" len="med"/>
+                      <a:tailEnd type="none" w="med" len="med"/>
+                    </a:lnL>
+                    <a:lnR w="12700" cmpd="sng">
+                      <a:noFill/>
+                    </a:lnR>
+                    <a:lnT w="12700" cmpd="sng">
+                      <a:noFill/>
+                    </a:lnT>
+                    <a:lnB w="12700" cap="flat" cmpd="sng" algn="ctr">
+                      <a:solidFill>
+                        <a:schemeClr val="tx1"/>
+                      </a:solidFill>
+                      <a:prstDash val="solid"/>
+                      <a:round/>
+                      <a:headEnd type="none" w="med" len="med"/>
+                      <a:tailEnd type="none" w="med" len="med"/>
+                    </a:lnB>
+                    <a:lnTlToBr w="12700" cmpd="sng">
+                      <a:noFill/>
+                      <a:prstDash val="solid"/>
+                    </a:lnTlToBr>
+                    <a:lnBlToTr w="12700" cmpd="sng">
+                      <a:noFill/>
+                      <a:prstDash val="solid"/>
+                    </a:lnBlToTr>
+                  </a:tcPr>
+                </a:tc>
+                <a:tc>
+                  <a:txBody>
+                    <a:bodyPr/>
+                    <a:lstStyle/>
+                    <a:p>
+                      <a:r>
+                        <a:rPr lang="en-US" dirty="0"/>
+                        <a:t>124</a:t>
+                      </a:r>
+                    </a:p>
+                  </a:txBody>
+                  <a:tcPr>
+                    <a:lnL w="12700" cmpd="sng">
+                      <a:noFill/>
+                    </a:lnL>
+                    <a:lnR w="12700" cap="flat" cmpd="sng" algn="ctr">
+                      <a:solidFill>
+                        <a:schemeClr val="tx1"/>
+                      </a:solidFill>
+                      <a:prstDash val="solid"/>
+                      <a:round/>
+                      <a:headEnd type="none" w="med" len="med"/>
+                      <a:tailEnd type="none" w="med" len="med"/>
+                    </a:lnR>
+                    <a:lnT w="12700" cmpd="sng">
+                      <a:noFill/>
+                    </a:lnT>
+                    <a:lnB w="12700" cap="flat" cmpd="sng" algn="ctr">
+                      <a:solidFill>
+                        <a:schemeClr val="tx1"/>
+                      </a:solidFill>
+                      <a:prstDash val="solid"/>
+                      <a:round/>
+                      <a:headEnd type="none" w="med" len="med"/>
+                      <a:tailEnd type="none" w="med" len="med"/>
+                    </a:lnB>
+                    <a:lnTlToBr w="12700" cmpd="sng">
+                      <a:noFill/>
+                      <a:prstDash val="solid"/>
+                    </a:lnTlToBr>
+                    <a:lnBlToTr w="12700" cmpd="sng">
+                      <a:noFill/>
+                      <a:prstDash val="solid"/>
+                    </a:lnBlToTr>
+                  </a:tcPr>
+                </a:tc>
+                <a:extLst>
+                  <a:ext uri="{0D108BD9-81ED-4DB2-BD59-A6C34878D82A}">
+                    <a16:rowId xmlns:a16="http://schemas.microsoft.com/office/drawing/2014/main" val="2468813746"/>
+                  </a:ext>
+                </a:extLst>
+              </a:tr>
+            </a:tbl>
+          </a:graphicData>
+        </a:graphic>
+      </p:graphicFrame>
+    </p:spTree>
+    <p:extLst>
+      <p:ext uri="{BB962C8B-B14F-4D97-AF65-F5344CB8AC3E}">
+        <p14:creationId xmlns:p14="http://schemas.microsoft.com/office/powerpoint/2010/main" val="2863089343"/>
+      </p:ext>
+    </p:extLst>
+  </p:cSld>
+  <p:clrMapOvr>
+    <a:masterClrMapping/>
+  </p:clrMapOvr>
 </p:sld>
 </file>
 
@@ -3564,10 +4375,9 @@
           <a:lstStyle/>
           <a:p>
             <a:r>
-              <a:rPr lang="en-US" dirty="0" smtClean="0"/>
+              <a:rPr lang="en-US" dirty="0"/>
               <a:t>What is MISP</a:t>
             </a:r>
-            <a:endParaRPr lang="en-US" dirty="0"/>
           </a:p>
         </p:txBody>
       </p:sp>
@@ -3588,32 +4398,14 @@
           <a:p>
             <a:r>
               <a:rPr lang="en-US" dirty="0"/>
-              <a:t>A</a:t>
-            </a:r>
-            <a:r>
-              <a:rPr lang="en-US" dirty="0" smtClean="0"/>
-              <a:t>n </a:t>
-            </a:r>
+              <a:t>An open source threat intelligence platform, using open standards for threat sharing. </a:t>
+            </a:r>
+          </a:p>
+          <a:p>
             <a:r>
               <a:rPr lang="en-US" dirty="0"/>
-              <a:t>open source threat intelligence platform, </a:t>
-            </a:r>
-            <a:r>
-              <a:rPr lang="en-US" dirty="0" smtClean="0"/>
-              <a:t>using </a:t>
-            </a:r>
-            <a:r>
-              <a:rPr lang="en-US" dirty="0"/>
-              <a:t>open standards for threat sharing. </a:t>
-            </a:r>
-            <a:endParaRPr lang="en-US" dirty="0" smtClean="0"/>
-          </a:p>
-          <a:p>
-            <a:r>
-              <a:rPr lang="en-US" dirty="0" smtClean="0"/>
               <a:t>Mostly written in PHP</a:t>
             </a:r>
-            <a:endParaRPr lang="en-US" dirty="0"/>
           </a:p>
         </p:txBody>
       </p:sp>
@@ -3627,13 +4419,6 @@
   <p:clrMapOvr>
     <a:masterClrMapping/>
   </p:clrMapOvr>
-  <p:timing>
-    <p:tnLst>
-      <p:par>
-        <p:cTn id="1" dur="indefinite" restart="never" nodeType="tmRoot"/>
-      </p:par>
-    </p:tnLst>
-  </p:timing>
 </p:sld>
 </file>
 
@@ -3670,10 +4455,9 @@
           <a:lstStyle/>
           <a:p>
             <a:r>
-              <a:rPr lang="en-US" dirty="0" smtClean="0"/>
+              <a:rPr lang="en-US" dirty="0"/>
               <a:t>Event Information</a:t>
             </a:r>
-            <a:endParaRPr lang="en-US" dirty="0"/>
           </a:p>
         </p:txBody>
       </p:sp>
@@ -3716,13 +4500,6 @@
   <p:clrMapOvr>
     <a:masterClrMapping/>
   </p:clrMapOvr>
-  <p:timing>
-    <p:tnLst>
-      <p:par>
-        <p:cTn id="1" dur="indefinite" restart="never" nodeType="tmRoot"/>
-      </p:par>
-    </p:tnLst>
-  </p:timing>
 </p:sld>
 </file>
 
@@ -3759,10 +4536,9 @@
           <a:lstStyle/>
           <a:p>
             <a:r>
-              <a:rPr lang="en-US" dirty="0" smtClean="0"/>
+              <a:rPr lang="en-US" dirty="0"/>
               <a:t>All Events</a:t>
             </a:r>
-            <a:endParaRPr lang="en-US" dirty="0"/>
           </a:p>
         </p:txBody>
       </p:sp>
@@ -3805,13 +4581,6 @@
   <p:clrMapOvr>
     <a:masterClrMapping/>
   </p:clrMapOvr>
-  <p:timing>
-    <p:tnLst>
-      <p:par>
-        <p:cTn id="1" dur="indefinite" restart="never" nodeType="tmRoot"/>
-      </p:par>
-    </p:tnLst>
-  </p:timing>
 </p:sld>
 </file>
 
@@ -3848,10 +4617,9 @@
           <a:lstStyle/>
           <a:p>
             <a:r>
-              <a:rPr lang="en-US" dirty="0" smtClean="0"/>
+              <a:rPr lang="en-US" dirty="0"/>
               <a:t>Add Event</a:t>
             </a:r>
-            <a:endParaRPr lang="en-US" dirty="0"/>
           </a:p>
         </p:txBody>
       </p:sp>
@@ -3894,13 +4662,6 @@
   <p:clrMapOvr>
     <a:masterClrMapping/>
   </p:clrMapOvr>
-  <p:timing>
-    <p:tnLst>
-      <p:par>
-        <p:cTn id="1" dur="indefinite" restart="never" nodeType="tmRoot"/>
-      </p:par>
-    </p:tnLst>
-  </p:timing>
 </p:sld>
 </file>
 
@@ -3937,10 +4698,9 @@
           <a:lstStyle/>
           <a:p>
             <a:r>
-              <a:rPr lang="en-US" dirty="0" smtClean="0"/>
+              <a:rPr lang="en-US" dirty="0"/>
               <a:t>Assurance Claims</a:t>
             </a:r>
-            <a:endParaRPr lang="en-US" dirty="0"/>
           </a:p>
         </p:txBody>
       </p:sp>
@@ -3960,37 +4720,21 @@
           <a:lstStyle/>
           <a:p>
             <a:r>
-              <a:rPr lang="en-US" dirty="0" smtClean="0"/>
-              <a:t>The </a:t>
-            </a:r>
-            <a:r>
               <a:rPr lang="en-US" dirty="0"/>
-              <a:t>system's authentication mechanism is acceptably secure against common authentication attacks</a:t>
-            </a:r>
-            <a:r>
-              <a:rPr lang="en-US" dirty="0" smtClean="0"/>
-              <a:t>.</a:t>
+              <a:t>The system's authentication mechanism is acceptably secure against common authentication attacks.</a:t>
             </a:r>
           </a:p>
           <a:p>
             <a:r>
               <a:rPr lang="en-US" dirty="0"/>
               <a:t> -There are no exploitable Cross-Site Scripting weaknesses in the </a:t>
-            </a:r>
-            <a:r>
-              <a:rPr lang="en-US" dirty="0" smtClean="0"/>
-              <a:t>code.</a:t>
-            </a:r>
-          </a:p>
-          <a:p>
-            <a:r>
-              <a:rPr lang="en-US" dirty="0" smtClean="0"/>
-              <a:t>Role </a:t>
-            </a:r>
+There are no exploitable Cross-Site Scripting weaknesses in the code.</a:t>
+            </a:r>
+          </a:p>
+          <a:p>
             <a:r>
               <a:rPr lang="en-US" dirty="0"/>
-              <a:t>based access is implemented in an acceptably secure manner</a:t>
+              <a:t>Role based access is implemented in an acceptably secure manner</a:t>
             </a:r>
           </a:p>
         </p:txBody>
@@ -4005,13 +4749,6 @@
   <p:clrMapOvr>
     <a:masterClrMapping/>
   </p:clrMapOvr>
-  <p:timing>
-    <p:tnLst>
-      <p:par>
-        <p:cTn id="1" dur="indefinite" restart="never" nodeType="tmRoot"/>
-      </p:par>
-    </p:tnLst>
-  </p:timing>
 </p:sld>
 </file>
 
@@ -4048,10 +4785,9 @@
           <a:lstStyle/>
           <a:p>
             <a:r>
-              <a:rPr lang="en-US" dirty="0" smtClean="0"/>
+              <a:rPr lang="en-US" dirty="0"/>
               <a:t>Assurance Claims Cont. </a:t>
             </a:r>
-            <a:endParaRPr lang="en-US" dirty="0"/>
           </a:p>
         </p:txBody>
       </p:sp>
@@ -4071,32 +4807,15 @@
           <a:lstStyle/>
           <a:p>
             <a:r>
-              <a:rPr lang="en-US" dirty="0" smtClean="0"/>
-              <a:t>System </a:t>
-            </a:r>
-            <a:r>
               <a:rPr lang="en-US" dirty="0"/>
-              <a:t>prevents distribution of event information to those who are not permitted to view </a:t>
-            </a:r>
-            <a:r>
-              <a:rPr lang="en-US" dirty="0" smtClean="0"/>
-              <a:t>it.</a:t>
-            </a:r>
-          </a:p>
-          <a:p>
-            <a:r>
-              <a:rPr lang="en-US" dirty="0" smtClean="0"/>
-              <a:t>The </a:t>
-            </a:r>
+              <a:t>System prevents distribution of event information to those who are not permitted to view it.</a:t>
+            </a:r>
+          </a:p>
+          <a:p>
             <a:r>
               <a:rPr lang="en-US" dirty="0"/>
-              <a:t>user management interface is acceptably </a:t>
-            </a:r>
-            <a:r>
-              <a:rPr lang="en-US" dirty="0" smtClean="0"/>
-              <a:t>secure.</a:t>
-            </a:r>
-            <a:endParaRPr lang="en-US" dirty="0"/>
+              <a:t>The user management interface is acceptably secure.</a:t>
+            </a:r>
           </a:p>
         </p:txBody>
       </p:sp>
@@ -4110,13 +4829,6 @@
   <p:clrMapOvr>
     <a:masterClrMapping/>
   </p:clrMapOvr>
-  <p:timing>
-    <p:tnLst>
-      <p:par>
-        <p:cTn id="1" dur="indefinite" restart="never" nodeType="tmRoot"/>
-      </p:par>
-    </p:tnLst>
-  </p:timing>
 </p:sld>
 </file>
 
@@ -4153,10 +4865,9 @@
           <a:lstStyle/>
           <a:p>
             <a:r>
-              <a:rPr lang="en-US" dirty="0" smtClean="0"/>
+              <a:rPr lang="en-US" dirty="0"/>
               <a:t>Gaps in security requirements</a:t>
             </a:r>
-            <a:endParaRPr lang="en-US" dirty="0"/>
           </a:p>
         </p:txBody>
       </p:sp>
@@ -4176,22 +4887,21 @@
           <a:lstStyle/>
           <a:p>
             <a:r>
-              <a:rPr lang="en-US" dirty="0" smtClean="0"/>
+              <a:rPr lang="en-US" dirty="0"/>
               <a:t>Apache configuration</a:t>
             </a:r>
           </a:p>
           <a:p>
             <a:r>
-              <a:rPr lang="en-US" dirty="0" smtClean="0"/>
+              <a:rPr lang="en-US" dirty="0"/>
               <a:t>Firewall configuration</a:t>
             </a:r>
           </a:p>
           <a:p>
             <a:r>
-              <a:rPr lang="en-US" dirty="0" smtClean="0"/>
+              <a:rPr lang="en-US" dirty="0"/>
               <a:t>SMTP configuration</a:t>
             </a:r>
-            <a:endParaRPr lang="en-US" dirty="0"/>
           </a:p>
         </p:txBody>
       </p:sp>
@@ -4205,13 +4915,89 @@
   <p:clrMapOvr>
     <a:masterClrMapping/>
   </p:clrMapOvr>
-  <p:timing>
-    <p:tnLst>
-      <p:par>
-        <p:cTn id="1" dur="indefinite" restart="never" nodeType="tmRoot"/>
-      </p:par>
-    </p:tnLst>
-  </p:timing>
+</p:sld>
+</file>
+
+<file path=ppt/slides/slide9.xml><?xml version="1.0" encoding="utf-8"?>
+<p:sld xmlns:a="http://schemas.openxmlformats.org/drawingml/2006/main" xmlns:r="http://schemas.openxmlformats.org/officeDocument/2006/relationships" xmlns:p="http://schemas.openxmlformats.org/presentationml/2006/main">
+  <p:cSld>
+    <p:spTree>
+      <p:nvGrpSpPr>
+        <p:cNvPr id="1" name=""/>
+        <p:cNvGrpSpPr/>
+        <p:nvPr/>
+      </p:nvGrpSpPr>
+      <p:grpSpPr>
+        <a:xfrm>
+          <a:off x="0" y="0"/>
+          <a:ext cx="0" cy="0"/>
+          <a:chOff x="0" y="0"/>
+          <a:chExt cx="0" cy="0"/>
+        </a:xfrm>
+      </p:grpSpPr>
+      <p:sp>
+        <p:nvSpPr>
+          <p:cNvPr id="2" name="Title 1">
+            <a:extLst>
+              <a:ext uri="{FF2B5EF4-FFF2-40B4-BE49-F238E27FC236}">
+                <a16:creationId xmlns:a16="http://schemas.microsoft.com/office/drawing/2014/main" id="{A468AC0E-662F-4FB9-8C22-87556045B8D2}"/>
+              </a:ext>
+            </a:extLst>
+          </p:cNvPr>
+          <p:cNvSpPr>
+            <a:spLocks noGrp="1"/>
+          </p:cNvSpPr>
+          <p:nvPr>
+            <p:ph type="title"/>
+          </p:nvPr>
+        </p:nvSpPr>
+        <p:spPr/>
+        <p:txBody>
+          <a:bodyPr/>
+          <a:lstStyle/>
+          <a:p>
+            <a:r>
+              <a:rPr lang="en-US" dirty="0"/>
+              <a:t>Code Review Findings</a:t>
+            </a:r>
+          </a:p>
+        </p:txBody>
+      </p:sp>
+      <p:sp>
+        <p:nvSpPr>
+          <p:cNvPr id="3" name="Content Placeholder 2">
+            <a:extLst>
+              <a:ext uri="{FF2B5EF4-FFF2-40B4-BE49-F238E27FC236}">
+                <a16:creationId xmlns:a16="http://schemas.microsoft.com/office/drawing/2014/main" id="{0DB564DD-8DE2-4184-994E-8094659145F4}"/>
+              </a:ext>
+            </a:extLst>
+          </p:cNvPr>
+          <p:cNvSpPr>
+            <a:spLocks noGrp="1"/>
+          </p:cNvSpPr>
+          <p:nvPr>
+            <p:ph idx="1"/>
+          </p:nvPr>
+        </p:nvSpPr>
+        <p:spPr/>
+        <p:txBody>
+          <a:bodyPr/>
+          <a:lstStyle/>
+          <a:p>
+            <a:endParaRPr lang="en-US"/>
+          </a:p>
+        </p:txBody>
+      </p:sp>
+    </p:spTree>
+    <p:extLst>
+      <p:ext uri="{BB962C8B-B14F-4D97-AF65-F5344CB8AC3E}">
+        <p14:creationId xmlns:p14="http://schemas.microsoft.com/office/powerpoint/2010/main" val="1274436800"/>
+      </p:ext>
+    </p:extLst>
+  </p:cSld>
+  <p:clrMapOvr>
+    <a:masterClrMapping/>
+  </p:clrMapOvr>
 </p:sld>
 </file>
 
